--- a/pub/Management/2013WorkPlanRetreat/bosco-osg-et-June-2013.pptx
+++ b/pub/Management/2013WorkPlanRetreat/bosco-osg-et-June-2013.pptx
@@ -7,9 +7,10 @@
   <p:sldIdLst>
     <p:sldId id="256" r:id="rId2"/>
     <p:sldId id="257" r:id="rId3"/>
-    <p:sldId id="259" r:id="rId4"/>
-    <p:sldId id="258" r:id="rId5"/>
-    <p:sldId id="260" r:id="rId6"/>
+    <p:sldId id="261" r:id="rId4"/>
+    <p:sldId id="259" r:id="rId5"/>
+    <p:sldId id="258" r:id="rId6"/>
+    <p:sldId id="260" r:id="rId7"/>
   </p:sldIdLst>
   <p:sldSz cx="9144000" cy="6858000" type="screen4x3"/>
   <p:notesSz cx="6858000" cy="9144000"/>
@@ -3607,6 +3608,136 @@
           <a:p>
             <a:pPr algn="r"/>
             <a:r>
+              <a:rPr lang="en-US" dirty="0" err="1" smtClean="0">
+                <a:solidFill>
+                  <a:srgbClr val="D9D9D9"/>
+                </a:solidFill>
+              </a:rPr>
+              <a:t>Quickstart</a:t>
+            </a:r>
+            <a:endParaRPr lang="en-US" dirty="0">
+              <a:solidFill>
+                <a:srgbClr val="D9D9D9"/>
+              </a:solidFill>
+            </a:endParaRPr>
+          </a:p>
+        </p:txBody>
+      </p:sp>
+      <p:pic>
+        <p:nvPicPr>
+          <p:cNvPr id="7" name="Picture 6"/>
+          <p:cNvPicPr>
+            <a:picLocks noChangeAspect="1"/>
+          </p:cNvPicPr>
+          <p:nvPr/>
+        </p:nvPicPr>
+        <p:blipFill>
+          <a:blip r:embed="rId2"/>
+          <a:stretch>
+            <a:fillRect/>
+          </a:stretch>
+        </p:blipFill>
+        <p:spPr>
+          <a:xfrm>
+            <a:off x="0" y="312912"/>
+            <a:ext cx="3810000" cy="1003300"/>
+          </a:xfrm>
+          <a:prstGeom prst="rect">
+            <a:avLst/>
+          </a:prstGeom>
+        </p:spPr>
+      </p:pic>
+      <p:pic>
+        <p:nvPicPr>
+          <p:cNvPr id="5" name="Picture 4"/>
+          <p:cNvPicPr>
+            <a:picLocks noChangeAspect="1"/>
+          </p:cNvPicPr>
+          <p:nvPr/>
+        </p:nvPicPr>
+        <p:blipFill>
+          <a:blip r:embed="rId3"/>
+          <a:stretch>
+            <a:fillRect/>
+          </a:stretch>
+        </p:blipFill>
+        <p:spPr>
+          <a:xfrm>
+            <a:off x="1149805" y="1228618"/>
+            <a:ext cx="6455896" cy="5541787"/>
+          </a:xfrm>
+          <a:prstGeom prst="rect">
+            <a:avLst/>
+          </a:prstGeom>
+        </p:spPr>
+      </p:pic>
+    </p:spTree>
+    <p:extLst>
+      <p:ext uri="{BB962C8B-B14F-4D97-AF65-F5344CB8AC3E}">
+        <p14:creationId xmlns:p14="http://schemas.microsoft.com/office/powerpoint/2010/main" val="2107066496"/>
+      </p:ext>
+    </p:extLst>
+  </p:cSld>
+  <p:clrMapOvr>
+    <a:masterClrMapping/>
+  </p:clrMapOvr>
+  <p:timing>
+    <p:tnLst>
+      <p:par>
+        <p:cTn xmlns:p14="http://schemas.microsoft.com/office/powerpoint/2010/main" id="1" dur="indefinite" restart="never" nodeType="tmRoot"/>
+      </p:par>
+    </p:tnLst>
+  </p:timing>
+</p:sld>
+</file>
+
+<file path=ppt/slides/slide4.xml><?xml version="1.0" encoding="utf-8"?>
+<p:sld xmlns:a="http://schemas.openxmlformats.org/drawingml/2006/main" xmlns:r="http://schemas.openxmlformats.org/officeDocument/2006/relationships" xmlns:p="http://schemas.openxmlformats.org/presentationml/2006/main">
+  <p:cSld>
+    <p:bg>
+      <p:bgPr>
+        <a:solidFill>
+          <a:srgbClr val="AA6100"/>
+        </a:solidFill>
+        <a:effectLst/>
+      </p:bgPr>
+    </p:bg>
+    <p:spTree>
+      <p:nvGrpSpPr>
+        <p:cNvPr id="1" name=""/>
+        <p:cNvGrpSpPr/>
+        <p:nvPr/>
+      </p:nvGrpSpPr>
+      <p:grpSpPr>
+        <a:xfrm>
+          <a:off x="0" y="0"/>
+          <a:ext cx="0" cy="0"/>
+          <a:chOff x="0" y="0"/>
+          <a:chExt cx="0" cy="0"/>
+        </a:xfrm>
+      </p:grpSpPr>
+      <p:sp>
+        <p:nvSpPr>
+          <p:cNvPr id="2" name="Title 1"/>
+          <p:cNvSpPr>
+            <a:spLocks noGrp="1"/>
+          </p:cNvSpPr>
+          <p:nvPr>
+            <p:ph type="title"/>
+          </p:nvPr>
+        </p:nvSpPr>
+        <p:spPr>
+          <a:xfrm>
+            <a:off x="457200" y="274638"/>
+            <a:ext cx="8229600" cy="893302"/>
+          </a:xfrm>
+        </p:spPr>
+        <p:txBody>
+          <a:bodyPr/>
+          <a:lstStyle/>
+          <a:p>
+            <a:pPr algn="r"/>
+            <a:r>
               <a:rPr lang="en-US" dirty="0" smtClean="0">
                 <a:solidFill>
                   <a:srgbClr val="D9D9D9"/>
@@ -3690,7 +3821,7 @@
 </p:sld>
 </file>
 
-<file path=ppt/slides/slide4.xml><?xml version="1.0" encoding="utf-8"?>
+<file path=ppt/slides/slide5.xml><?xml version="1.0" encoding="utf-8"?>
 <p:sld xmlns:a="http://schemas.openxmlformats.org/drawingml/2006/main" xmlns:r="http://schemas.openxmlformats.org/officeDocument/2006/relationships" xmlns:p="http://schemas.openxmlformats.org/presentationml/2006/main">
   <p:cSld>
     <p:bg>
@@ -3891,7 +4022,7 @@
 </p:sld>
 </file>
 
-<file path=ppt/slides/slide5.xml><?xml version="1.0" encoding="utf-8"?>
+<file path=ppt/slides/slide6.xml><?xml version="1.0" encoding="utf-8"?>
 <p:sld xmlns:a="http://schemas.openxmlformats.org/drawingml/2006/main" xmlns:r="http://schemas.openxmlformats.org/officeDocument/2006/relationships" xmlns:p="http://schemas.openxmlformats.org/presentationml/2006/main">
   <p:cSld>
     <p:bg>
